--- a/ppt 16-9/0489.举起福音大旗.pptx
+++ b/ppt 16-9/0489.举起福音大旗.pptx
@@ -129,7 +129,7 @@
           <p:cNvPr id="2" name="标题 1">
             <a:extLst>
               <a:ext uri="{FF2B5EF4-FFF2-40B4-BE49-F238E27FC236}">
-                <a16:creationId xmlns:a16="http://schemas.microsoft.com/office/drawing/2014/main" id="{7F2A58A3-E005-4E3D-8099-DB2A2363A881}"/>
+                <a16:creationId xmlns:a16="http://schemas.microsoft.com/office/drawing/2014/main" id="{A9B104A3-5127-49C6-4A02-9CB060299F5F}"/>
               </a:ext>
             </a:extLst>
           </p:cNvPr>
@@ -166,7 +166,7 @@
           <p:cNvPr id="3" name="副标题 2">
             <a:extLst>
               <a:ext uri="{FF2B5EF4-FFF2-40B4-BE49-F238E27FC236}">
-                <a16:creationId xmlns:a16="http://schemas.microsoft.com/office/drawing/2014/main" id="{0F073550-6D23-E45D-A7D1-756BAD1FE1ED}"/>
+                <a16:creationId xmlns:a16="http://schemas.microsoft.com/office/drawing/2014/main" id="{1CBD8AEA-4BAE-1158-CF71-2E39E27A5F98}"/>
               </a:ext>
             </a:extLst>
           </p:cNvPr>
@@ -236,7 +236,7 @@
           <p:cNvPr id="4" name="日期占位符 3">
             <a:extLst>
               <a:ext uri="{FF2B5EF4-FFF2-40B4-BE49-F238E27FC236}">
-                <a16:creationId xmlns:a16="http://schemas.microsoft.com/office/drawing/2014/main" id="{2E7352AA-4A53-0557-B8D6-3AE22A4E491D}"/>
+                <a16:creationId xmlns:a16="http://schemas.microsoft.com/office/drawing/2014/main" id="{9C8A6ECC-9F48-0F5E-9746-CD24F5D442A5}"/>
               </a:ext>
             </a:extLst>
           </p:cNvPr>
@@ -252,7 +252,7 @@
           <a:bodyPr/>
           <a:lstStyle/>
           <a:p>
-            <a:fld id="{FE5C60EB-91DD-49BE-87B4-9665A321E1DA}" type="datetimeFigureOut">
+            <a:fld id="{73350D36-B04C-4B38-96D4-CA797DED94A0}" type="datetimeFigureOut">
               <a:rPr lang="zh-CN" altLang="en-US" smtClean="0"/>
               <a:t>2024/3/10</a:t>
             </a:fld>
@@ -265,7 +265,7 @@
           <p:cNvPr id="5" name="页脚占位符 4">
             <a:extLst>
               <a:ext uri="{FF2B5EF4-FFF2-40B4-BE49-F238E27FC236}">
-                <a16:creationId xmlns:a16="http://schemas.microsoft.com/office/drawing/2014/main" id="{413110D0-837D-B40C-3FAE-00D2C4726736}"/>
+                <a16:creationId xmlns:a16="http://schemas.microsoft.com/office/drawing/2014/main" id="{6E41E801-5D67-00CD-22C8-A234D0690250}"/>
               </a:ext>
             </a:extLst>
           </p:cNvPr>
@@ -290,7 +290,7 @@
           <p:cNvPr id="6" name="灯片编号占位符 5">
             <a:extLst>
               <a:ext uri="{FF2B5EF4-FFF2-40B4-BE49-F238E27FC236}">
-                <a16:creationId xmlns:a16="http://schemas.microsoft.com/office/drawing/2014/main" id="{6BB6B99B-8453-0BC7-00AA-EBC51F6606E1}"/>
+                <a16:creationId xmlns:a16="http://schemas.microsoft.com/office/drawing/2014/main" id="{B1F8E565-6FE8-DF4C-BAE6-D14EBCAB404F}"/>
               </a:ext>
             </a:extLst>
           </p:cNvPr>
@@ -306,7 +306,7 @@
           <a:bodyPr/>
           <a:lstStyle/>
           <a:p>
-            <a:fld id="{D85905D6-C470-409F-BB58-667CC593DF76}" type="slidenum">
+            <a:fld id="{D81B2BDB-F8A3-4C49-951D-6C4A96BAF944}" type="slidenum">
               <a:rPr lang="zh-CN" altLang="en-US" smtClean="0"/>
               <a:t>‹#›</a:t>
             </a:fld>
@@ -317,7 +317,7 @@
     </p:spTree>
     <p:extLst>
       <p:ext uri="{BB962C8B-B14F-4D97-AF65-F5344CB8AC3E}">
-        <p14:creationId xmlns:p14="http://schemas.microsoft.com/office/powerpoint/2010/main" val="2378046929"/>
+        <p14:creationId xmlns:p14="http://schemas.microsoft.com/office/powerpoint/2010/main" val="811955720"/>
       </p:ext>
     </p:extLst>
   </p:cSld>
@@ -349,7 +349,7 @@
           <p:cNvPr id="2" name="标题 1">
             <a:extLst>
               <a:ext uri="{FF2B5EF4-FFF2-40B4-BE49-F238E27FC236}">
-                <a16:creationId xmlns:a16="http://schemas.microsoft.com/office/drawing/2014/main" id="{472387BA-4C0E-237F-C178-B925D89F18E8}"/>
+                <a16:creationId xmlns:a16="http://schemas.microsoft.com/office/drawing/2014/main" id="{9473E007-8ABB-3113-DF0F-64EDFD526050}"/>
               </a:ext>
             </a:extLst>
           </p:cNvPr>
@@ -377,7 +377,7 @@
           <p:cNvPr id="3" name="竖排文字占位符 2">
             <a:extLst>
               <a:ext uri="{FF2B5EF4-FFF2-40B4-BE49-F238E27FC236}">
-                <a16:creationId xmlns:a16="http://schemas.microsoft.com/office/drawing/2014/main" id="{DBCC1E55-9ED1-6227-EB15-921FFFCAB610}"/>
+                <a16:creationId xmlns:a16="http://schemas.microsoft.com/office/drawing/2014/main" id="{517A2E13-CDD0-6DC9-2F36-307E2AAC66D1}"/>
               </a:ext>
             </a:extLst>
           </p:cNvPr>
@@ -434,7 +434,7 @@
           <p:cNvPr id="4" name="日期占位符 3">
             <a:extLst>
               <a:ext uri="{FF2B5EF4-FFF2-40B4-BE49-F238E27FC236}">
-                <a16:creationId xmlns:a16="http://schemas.microsoft.com/office/drawing/2014/main" id="{3B37091C-5B8F-A96E-E16D-3D54607A75E7}"/>
+                <a16:creationId xmlns:a16="http://schemas.microsoft.com/office/drawing/2014/main" id="{8DCE5676-3016-E307-92C4-EFBBAC32C08B}"/>
               </a:ext>
             </a:extLst>
           </p:cNvPr>
@@ -450,7 +450,7 @@
           <a:bodyPr/>
           <a:lstStyle/>
           <a:p>
-            <a:fld id="{FE5C60EB-91DD-49BE-87B4-9665A321E1DA}" type="datetimeFigureOut">
+            <a:fld id="{73350D36-B04C-4B38-96D4-CA797DED94A0}" type="datetimeFigureOut">
               <a:rPr lang="zh-CN" altLang="en-US" smtClean="0"/>
               <a:t>2024/3/10</a:t>
             </a:fld>
@@ -463,7 +463,7 @@
           <p:cNvPr id="5" name="页脚占位符 4">
             <a:extLst>
               <a:ext uri="{FF2B5EF4-FFF2-40B4-BE49-F238E27FC236}">
-                <a16:creationId xmlns:a16="http://schemas.microsoft.com/office/drawing/2014/main" id="{1C6F1250-F26C-B249-9868-A9C88FF7B129}"/>
+                <a16:creationId xmlns:a16="http://schemas.microsoft.com/office/drawing/2014/main" id="{F69F5CB9-99A2-0AC6-D5B8-DAFD1365AB05}"/>
               </a:ext>
             </a:extLst>
           </p:cNvPr>
@@ -488,7 +488,7 @@
           <p:cNvPr id="6" name="灯片编号占位符 5">
             <a:extLst>
               <a:ext uri="{FF2B5EF4-FFF2-40B4-BE49-F238E27FC236}">
-                <a16:creationId xmlns:a16="http://schemas.microsoft.com/office/drawing/2014/main" id="{4D1AE946-58F1-98E3-CE6F-707A9FF018E3}"/>
+                <a16:creationId xmlns:a16="http://schemas.microsoft.com/office/drawing/2014/main" id="{49DAB4FF-3849-C071-4238-370C4863B3E2}"/>
               </a:ext>
             </a:extLst>
           </p:cNvPr>
@@ -504,7 +504,7 @@
           <a:bodyPr/>
           <a:lstStyle/>
           <a:p>
-            <a:fld id="{D85905D6-C470-409F-BB58-667CC593DF76}" type="slidenum">
+            <a:fld id="{D81B2BDB-F8A3-4C49-951D-6C4A96BAF944}" type="slidenum">
               <a:rPr lang="zh-CN" altLang="en-US" smtClean="0"/>
               <a:t>‹#›</a:t>
             </a:fld>
@@ -515,7 +515,7 @@
     </p:spTree>
     <p:extLst>
       <p:ext uri="{BB962C8B-B14F-4D97-AF65-F5344CB8AC3E}">
-        <p14:creationId xmlns:p14="http://schemas.microsoft.com/office/powerpoint/2010/main" val="3107786833"/>
+        <p14:creationId xmlns:p14="http://schemas.microsoft.com/office/powerpoint/2010/main" val="3443367851"/>
       </p:ext>
     </p:extLst>
   </p:cSld>
@@ -547,7 +547,7 @@
           <p:cNvPr id="2" name="竖排标题 1">
             <a:extLst>
               <a:ext uri="{FF2B5EF4-FFF2-40B4-BE49-F238E27FC236}">
-                <a16:creationId xmlns:a16="http://schemas.microsoft.com/office/drawing/2014/main" id="{9D7A9D04-2FED-300D-5817-F11968A1E9F4}"/>
+                <a16:creationId xmlns:a16="http://schemas.microsoft.com/office/drawing/2014/main" id="{EEC04EE1-6CBF-E587-BA68-60EE5D50132F}"/>
               </a:ext>
             </a:extLst>
           </p:cNvPr>
@@ -580,7 +580,7 @@
           <p:cNvPr id="3" name="竖排文字占位符 2">
             <a:extLst>
               <a:ext uri="{FF2B5EF4-FFF2-40B4-BE49-F238E27FC236}">
-                <a16:creationId xmlns:a16="http://schemas.microsoft.com/office/drawing/2014/main" id="{1E882AE4-F644-EC1F-EBB3-9AA65F12EBF8}"/>
+                <a16:creationId xmlns:a16="http://schemas.microsoft.com/office/drawing/2014/main" id="{A7C47A71-0002-B1A1-C83A-25F31081CE89}"/>
               </a:ext>
             </a:extLst>
           </p:cNvPr>
@@ -642,7 +642,7 @@
           <p:cNvPr id="4" name="日期占位符 3">
             <a:extLst>
               <a:ext uri="{FF2B5EF4-FFF2-40B4-BE49-F238E27FC236}">
-                <a16:creationId xmlns:a16="http://schemas.microsoft.com/office/drawing/2014/main" id="{6009FB7A-8348-0485-6686-45D4DDD307B2}"/>
+                <a16:creationId xmlns:a16="http://schemas.microsoft.com/office/drawing/2014/main" id="{24924A68-D33D-95C9-C8C5-B4A9731875FB}"/>
               </a:ext>
             </a:extLst>
           </p:cNvPr>
@@ -658,7 +658,7 @@
           <a:bodyPr/>
           <a:lstStyle/>
           <a:p>
-            <a:fld id="{FE5C60EB-91DD-49BE-87B4-9665A321E1DA}" type="datetimeFigureOut">
+            <a:fld id="{73350D36-B04C-4B38-96D4-CA797DED94A0}" type="datetimeFigureOut">
               <a:rPr lang="zh-CN" altLang="en-US" smtClean="0"/>
               <a:t>2024/3/10</a:t>
             </a:fld>
@@ -671,7 +671,7 @@
           <p:cNvPr id="5" name="页脚占位符 4">
             <a:extLst>
               <a:ext uri="{FF2B5EF4-FFF2-40B4-BE49-F238E27FC236}">
-                <a16:creationId xmlns:a16="http://schemas.microsoft.com/office/drawing/2014/main" id="{3260A95F-7287-328B-2643-CB38A316831F}"/>
+                <a16:creationId xmlns:a16="http://schemas.microsoft.com/office/drawing/2014/main" id="{4DE37FE8-F066-792F-4AD2-322717C1302F}"/>
               </a:ext>
             </a:extLst>
           </p:cNvPr>
@@ -696,7 +696,7 @@
           <p:cNvPr id="6" name="灯片编号占位符 5">
             <a:extLst>
               <a:ext uri="{FF2B5EF4-FFF2-40B4-BE49-F238E27FC236}">
-                <a16:creationId xmlns:a16="http://schemas.microsoft.com/office/drawing/2014/main" id="{F4419B5F-4CA5-C1C1-37AE-04C47C528B46}"/>
+                <a16:creationId xmlns:a16="http://schemas.microsoft.com/office/drawing/2014/main" id="{DC7FA666-1221-8527-E793-08E74C262614}"/>
               </a:ext>
             </a:extLst>
           </p:cNvPr>
@@ -712,7 +712,7 @@
           <a:bodyPr/>
           <a:lstStyle/>
           <a:p>
-            <a:fld id="{D85905D6-C470-409F-BB58-667CC593DF76}" type="slidenum">
+            <a:fld id="{D81B2BDB-F8A3-4C49-951D-6C4A96BAF944}" type="slidenum">
               <a:rPr lang="zh-CN" altLang="en-US" smtClean="0"/>
               <a:t>‹#›</a:t>
             </a:fld>
@@ -723,7 +723,7 @@
     </p:spTree>
     <p:extLst>
       <p:ext uri="{BB962C8B-B14F-4D97-AF65-F5344CB8AC3E}">
-        <p14:creationId xmlns:p14="http://schemas.microsoft.com/office/powerpoint/2010/main" val="1990966799"/>
+        <p14:creationId xmlns:p14="http://schemas.microsoft.com/office/powerpoint/2010/main" val="932245953"/>
       </p:ext>
     </p:extLst>
   </p:cSld>
@@ -755,7 +755,7 @@
           <p:cNvPr id="2" name="标题 1">
             <a:extLst>
               <a:ext uri="{FF2B5EF4-FFF2-40B4-BE49-F238E27FC236}">
-                <a16:creationId xmlns:a16="http://schemas.microsoft.com/office/drawing/2014/main" id="{DFADF463-DD0F-B021-84BC-79BE27F3F588}"/>
+                <a16:creationId xmlns:a16="http://schemas.microsoft.com/office/drawing/2014/main" id="{9CE08E5C-AD4E-AF25-88C5-A1EE5D88E853}"/>
               </a:ext>
             </a:extLst>
           </p:cNvPr>
@@ -783,7 +783,7 @@
           <p:cNvPr id="3" name="内容占位符 2">
             <a:extLst>
               <a:ext uri="{FF2B5EF4-FFF2-40B4-BE49-F238E27FC236}">
-                <a16:creationId xmlns:a16="http://schemas.microsoft.com/office/drawing/2014/main" id="{D3313337-E2E3-43F6-2DE1-0DE6EEEBE9C6}"/>
+                <a16:creationId xmlns:a16="http://schemas.microsoft.com/office/drawing/2014/main" id="{C2D7CA94-C7E1-F4ED-4FDC-48A76B3070C1}"/>
               </a:ext>
             </a:extLst>
           </p:cNvPr>
@@ -840,7 +840,7 @@
           <p:cNvPr id="4" name="日期占位符 3">
             <a:extLst>
               <a:ext uri="{FF2B5EF4-FFF2-40B4-BE49-F238E27FC236}">
-                <a16:creationId xmlns:a16="http://schemas.microsoft.com/office/drawing/2014/main" id="{0665E54E-8E07-9746-C951-7A105653B322}"/>
+                <a16:creationId xmlns:a16="http://schemas.microsoft.com/office/drawing/2014/main" id="{5F6F911F-1DC4-C7F5-B08F-395EBCB156AA}"/>
               </a:ext>
             </a:extLst>
           </p:cNvPr>
@@ -856,7 +856,7 @@
           <a:bodyPr/>
           <a:lstStyle/>
           <a:p>
-            <a:fld id="{FE5C60EB-91DD-49BE-87B4-9665A321E1DA}" type="datetimeFigureOut">
+            <a:fld id="{73350D36-B04C-4B38-96D4-CA797DED94A0}" type="datetimeFigureOut">
               <a:rPr lang="zh-CN" altLang="en-US" smtClean="0"/>
               <a:t>2024/3/10</a:t>
             </a:fld>
@@ -869,7 +869,7 @@
           <p:cNvPr id="5" name="页脚占位符 4">
             <a:extLst>
               <a:ext uri="{FF2B5EF4-FFF2-40B4-BE49-F238E27FC236}">
-                <a16:creationId xmlns:a16="http://schemas.microsoft.com/office/drawing/2014/main" id="{43B6893B-D1CB-F4CC-F720-9F6F569A1BFA}"/>
+                <a16:creationId xmlns:a16="http://schemas.microsoft.com/office/drawing/2014/main" id="{07C535CD-6C16-B2EF-E1FF-0081BC6C926F}"/>
               </a:ext>
             </a:extLst>
           </p:cNvPr>
@@ -894,7 +894,7 @@
           <p:cNvPr id="6" name="灯片编号占位符 5">
             <a:extLst>
               <a:ext uri="{FF2B5EF4-FFF2-40B4-BE49-F238E27FC236}">
-                <a16:creationId xmlns:a16="http://schemas.microsoft.com/office/drawing/2014/main" id="{414AD9D0-10F4-F031-C125-0E46C2549B19}"/>
+                <a16:creationId xmlns:a16="http://schemas.microsoft.com/office/drawing/2014/main" id="{6B4D5AA9-C437-C0FC-34DE-65FC26AC87A9}"/>
               </a:ext>
             </a:extLst>
           </p:cNvPr>
@@ -910,7 +910,7 @@
           <a:bodyPr/>
           <a:lstStyle/>
           <a:p>
-            <a:fld id="{D85905D6-C470-409F-BB58-667CC593DF76}" type="slidenum">
+            <a:fld id="{D81B2BDB-F8A3-4C49-951D-6C4A96BAF944}" type="slidenum">
               <a:rPr lang="zh-CN" altLang="en-US" smtClean="0"/>
               <a:t>‹#›</a:t>
             </a:fld>
@@ -921,7 +921,7 @@
     </p:spTree>
     <p:extLst>
       <p:ext uri="{BB962C8B-B14F-4D97-AF65-F5344CB8AC3E}">
-        <p14:creationId xmlns:p14="http://schemas.microsoft.com/office/powerpoint/2010/main" val="1729441479"/>
+        <p14:creationId xmlns:p14="http://schemas.microsoft.com/office/powerpoint/2010/main" val="1786205319"/>
       </p:ext>
     </p:extLst>
   </p:cSld>
@@ -953,7 +953,7 @@
           <p:cNvPr id="2" name="标题 1">
             <a:extLst>
               <a:ext uri="{FF2B5EF4-FFF2-40B4-BE49-F238E27FC236}">
-                <a16:creationId xmlns:a16="http://schemas.microsoft.com/office/drawing/2014/main" id="{13228CC5-E7DA-38CF-E251-961B6460233C}"/>
+                <a16:creationId xmlns:a16="http://schemas.microsoft.com/office/drawing/2014/main" id="{40A1BB05-C070-27B7-6BF3-0FAD102D7A1D}"/>
               </a:ext>
             </a:extLst>
           </p:cNvPr>
@@ -990,7 +990,7 @@
           <p:cNvPr id="3" name="文本占位符 2">
             <a:extLst>
               <a:ext uri="{FF2B5EF4-FFF2-40B4-BE49-F238E27FC236}">
-                <a16:creationId xmlns:a16="http://schemas.microsoft.com/office/drawing/2014/main" id="{909479A3-6247-7AC6-04D8-EE84342C9CB3}"/>
+                <a16:creationId xmlns:a16="http://schemas.microsoft.com/office/drawing/2014/main" id="{6609F14D-B3A7-A88A-7EB6-2815A187B723}"/>
               </a:ext>
             </a:extLst>
           </p:cNvPr>
@@ -1115,7 +1115,7 @@
           <p:cNvPr id="4" name="日期占位符 3">
             <a:extLst>
               <a:ext uri="{FF2B5EF4-FFF2-40B4-BE49-F238E27FC236}">
-                <a16:creationId xmlns:a16="http://schemas.microsoft.com/office/drawing/2014/main" id="{C0BB61BA-BF04-CD9E-0744-054340E95C57}"/>
+                <a16:creationId xmlns:a16="http://schemas.microsoft.com/office/drawing/2014/main" id="{CBACD3F9-0B08-A380-A72F-D2C93129D0D6}"/>
               </a:ext>
             </a:extLst>
           </p:cNvPr>
@@ -1131,7 +1131,7 @@
           <a:bodyPr/>
           <a:lstStyle/>
           <a:p>
-            <a:fld id="{FE5C60EB-91DD-49BE-87B4-9665A321E1DA}" type="datetimeFigureOut">
+            <a:fld id="{73350D36-B04C-4B38-96D4-CA797DED94A0}" type="datetimeFigureOut">
               <a:rPr lang="zh-CN" altLang="en-US" smtClean="0"/>
               <a:t>2024/3/10</a:t>
             </a:fld>
@@ -1144,7 +1144,7 @@
           <p:cNvPr id="5" name="页脚占位符 4">
             <a:extLst>
               <a:ext uri="{FF2B5EF4-FFF2-40B4-BE49-F238E27FC236}">
-                <a16:creationId xmlns:a16="http://schemas.microsoft.com/office/drawing/2014/main" id="{835E3C79-1435-E962-9997-B1D097EEAFF7}"/>
+                <a16:creationId xmlns:a16="http://schemas.microsoft.com/office/drawing/2014/main" id="{7D02F414-9E60-9193-DC96-866AC53A5211}"/>
               </a:ext>
             </a:extLst>
           </p:cNvPr>
@@ -1169,7 +1169,7 @@
           <p:cNvPr id="6" name="灯片编号占位符 5">
             <a:extLst>
               <a:ext uri="{FF2B5EF4-FFF2-40B4-BE49-F238E27FC236}">
-                <a16:creationId xmlns:a16="http://schemas.microsoft.com/office/drawing/2014/main" id="{0D5CFEAD-2426-A986-9B21-58273C8452CF}"/>
+                <a16:creationId xmlns:a16="http://schemas.microsoft.com/office/drawing/2014/main" id="{7482BE94-8417-4E95-79CA-AE00AA2BF97E}"/>
               </a:ext>
             </a:extLst>
           </p:cNvPr>
@@ -1185,7 +1185,7 @@
           <a:bodyPr/>
           <a:lstStyle/>
           <a:p>
-            <a:fld id="{D85905D6-C470-409F-BB58-667CC593DF76}" type="slidenum">
+            <a:fld id="{D81B2BDB-F8A3-4C49-951D-6C4A96BAF944}" type="slidenum">
               <a:rPr lang="zh-CN" altLang="en-US" smtClean="0"/>
               <a:t>‹#›</a:t>
             </a:fld>
@@ -1196,7 +1196,7 @@
     </p:spTree>
     <p:extLst>
       <p:ext uri="{BB962C8B-B14F-4D97-AF65-F5344CB8AC3E}">
-        <p14:creationId xmlns:p14="http://schemas.microsoft.com/office/powerpoint/2010/main" val="1417549171"/>
+        <p14:creationId xmlns:p14="http://schemas.microsoft.com/office/powerpoint/2010/main" val="1256768875"/>
       </p:ext>
     </p:extLst>
   </p:cSld>
@@ -1228,7 +1228,7 @@
           <p:cNvPr id="2" name="标题 1">
             <a:extLst>
               <a:ext uri="{FF2B5EF4-FFF2-40B4-BE49-F238E27FC236}">
-                <a16:creationId xmlns:a16="http://schemas.microsoft.com/office/drawing/2014/main" id="{374856EA-EABF-C783-D052-925A35811D4B}"/>
+                <a16:creationId xmlns:a16="http://schemas.microsoft.com/office/drawing/2014/main" id="{F86C0385-1A94-45C1-008D-2DF436DA1390}"/>
               </a:ext>
             </a:extLst>
           </p:cNvPr>
@@ -1256,7 +1256,7 @@
           <p:cNvPr id="3" name="内容占位符 2">
             <a:extLst>
               <a:ext uri="{FF2B5EF4-FFF2-40B4-BE49-F238E27FC236}">
-                <a16:creationId xmlns:a16="http://schemas.microsoft.com/office/drawing/2014/main" id="{A7B15D52-AEF3-5129-DEC8-588F42A14EE1}"/>
+                <a16:creationId xmlns:a16="http://schemas.microsoft.com/office/drawing/2014/main" id="{2C3014E1-EAB6-57F6-0615-498D7C911409}"/>
               </a:ext>
             </a:extLst>
           </p:cNvPr>
@@ -1318,7 +1318,7 @@
           <p:cNvPr id="4" name="内容占位符 3">
             <a:extLst>
               <a:ext uri="{FF2B5EF4-FFF2-40B4-BE49-F238E27FC236}">
-                <a16:creationId xmlns:a16="http://schemas.microsoft.com/office/drawing/2014/main" id="{25D03E78-B1EA-C73F-1EC2-64F4402F4062}"/>
+                <a16:creationId xmlns:a16="http://schemas.microsoft.com/office/drawing/2014/main" id="{FD12F59B-A237-E068-FC81-97ABA2D46030}"/>
               </a:ext>
             </a:extLst>
           </p:cNvPr>
@@ -1380,7 +1380,7 @@
           <p:cNvPr id="5" name="日期占位符 4">
             <a:extLst>
               <a:ext uri="{FF2B5EF4-FFF2-40B4-BE49-F238E27FC236}">
-                <a16:creationId xmlns:a16="http://schemas.microsoft.com/office/drawing/2014/main" id="{0DCDFDDA-C88C-5F5E-A076-8A6F2716A289}"/>
+                <a16:creationId xmlns:a16="http://schemas.microsoft.com/office/drawing/2014/main" id="{8C6B6AB7-CAEF-8683-29B6-9CEAFD60D5A9}"/>
               </a:ext>
             </a:extLst>
           </p:cNvPr>
@@ -1396,7 +1396,7 @@
           <a:bodyPr/>
           <a:lstStyle/>
           <a:p>
-            <a:fld id="{FE5C60EB-91DD-49BE-87B4-9665A321E1DA}" type="datetimeFigureOut">
+            <a:fld id="{73350D36-B04C-4B38-96D4-CA797DED94A0}" type="datetimeFigureOut">
               <a:rPr lang="zh-CN" altLang="en-US" smtClean="0"/>
               <a:t>2024/3/10</a:t>
             </a:fld>
@@ -1409,7 +1409,7 @@
           <p:cNvPr id="6" name="页脚占位符 5">
             <a:extLst>
               <a:ext uri="{FF2B5EF4-FFF2-40B4-BE49-F238E27FC236}">
-                <a16:creationId xmlns:a16="http://schemas.microsoft.com/office/drawing/2014/main" id="{6725A11E-3252-187F-B4C2-8FA33B5BC80D}"/>
+                <a16:creationId xmlns:a16="http://schemas.microsoft.com/office/drawing/2014/main" id="{A7A1D71A-3A20-6EBE-D1B1-E5786553715E}"/>
               </a:ext>
             </a:extLst>
           </p:cNvPr>
@@ -1434,7 +1434,7 @@
           <p:cNvPr id="7" name="灯片编号占位符 6">
             <a:extLst>
               <a:ext uri="{FF2B5EF4-FFF2-40B4-BE49-F238E27FC236}">
-                <a16:creationId xmlns:a16="http://schemas.microsoft.com/office/drawing/2014/main" id="{F0BCD772-6ED2-8D7C-2844-ED440EAE1102}"/>
+                <a16:creationId xmlns:a16="http://schemas.microsoft.com/office/drawing/2014/main" id="{B2E7618C-F802-9D7D-E6AE-B64E989F10AB}"/>
               </a:ext>
             </a:extLst>
           </p:cNvPr>
@@ -1450,7 +1450,7 @@
           <a:bodyPr/>
           <a:lstStyle/>
           <a:p>
-            <a:fld id="{D85905D6-C470-409F-BB58-667CC593DF76}" type="slidenum">
+            <a:fld id="{D81B2BDB-F8A3-4C49-951D-6C4A96BAF944}" type="slidenum">
               <a:rPr lang="zh-CN" altLang="en-US" smtClean="0"/>
               <a:t>‹#›</a:t>
             </a:fld>
@@ -1461,7 +1461,7 @@
     </p:spTree>
     <p:extLst>
       <p:ext uri="{BB962C8B-B14F-4D97-AF65-F5344CB8AC3E}">
-        <p14:creationId xmlns:p14="http://schemas.microsoft.com/office/powerpoint/2010/main" val="563344942"/>
+        <p14:creationId xmlns:p14="http://schemas.microsoft.com/office/powerpoint/2010/main" val="1968081995"/>
       </p:ext>
     </p:extLst>
   </p:cSld>
@@ -1493,7 +1493,7 @@
           <p:cNvPr id="2" name="标题 1">
             <a:extLst>
               <a:ext uri="{FF2B5EF4-FFF2-40B4-BE49-F238E27FC236}">
-                <a16:creationId xmlns:a16="http://schemas.microsoft.com/office/drawing/2014/main" id="{1C7D641E-813F-763A-FC07-4FDD21CF904E}"/>
+                <a16:creationId xmlns:a16="http://schemas.microsoft.com/office/drawing/2014/main" id="{22838F96-05F1-3856-0D55-D4746326DCFB}"/>
               </a:ext>
             </a:extLst>
           </p:cNvPr>
@@ -1526,7 +1526,7 @@
           <p:cNvPr id="3" name="文本占位符 2">
             <a:extLst>
               <a:ext uri="{FF2B5EF4-FFF2-40B4-BE49-F238E27FC236}">
-                <a16:creationId xmlns:a16="http://schemas.microsoft.com/office/drawing/2014/main" id="{FB159A9D-5B25-FD66-3A10-5C960C0175D9}"/>
+                <a16:creationId xmlns:a16="http://schemas.microsoft.com/office/drawing/2014/main" id="{98A2A7BF-EB68-A645-9EF8-26633C0EA369}"/>
               </a:ext>
             </a:extLst>
           </p:cNvPr>
@@ -1597,7 +1597,7 @@
           <p:cNvPr id="4" name="内容占位符 3">
             <a:extLst>
               <a:ext uri="{FF2B5EF4-FFF2-40B4-BE49-F238E27FC236}">
-                <a16:creationId xmlns:a16="http://schemas.microsoft.com/office/drawing/2014/main" id="{4F43F830-89B7-580F-A80C-B27E43CDD0F0}"/>
+                <a16:creationId xmlns:a16="http://schemas.microsoft.com/office/drawing/2014/main" id="{53525F48-BE87-958B-6F32-B34292F0C6F1}"/>
               </a:ext>
             </a:extLst>
           </p:cNvPr>
@@ -1659,7 +1659,7 @@
           <p:cNvPr id="5" name="文本占位符 4">
             <a:extLst>
               <a:ext uri="{FF2B5EF4-FFF2-40B4-BE49-F238E27FC236}">
-                <a16:creationId xmlns:a16="http://schemas.microsoft.com/office/drawing/2014/main" id="{45629BEB-7B77-D902-2C94-70546707BB20}"/>
+                <a16:creationId xmlns:a16="http://schemas.microsoft.com/office/drawing/2014/main" id="{7D7FD3A6-D887-BBF5-D8FF-F6F3BBCF819E}"/>
               </a:ext>
             </a:extLst>
           </p:cNvPr>
@@ -1730,7 +1730,7 @@
           <p:cNvPr id="6" name="内容占位符 5">
             <a:extLst>
               <a:ext uri="{FF2B5EF4-FFF2-40B4-BE49-F238E27FC236}">
-                <a16:creationId xmlns:a16="http://schemas.microsoft.com/office/drawing/2014/main" id="{15E1A7EA-B814-D687-0F49-6D2512496350}"/>
+                <a16:creationId xmlns:a16="http://schemas.microsoft.com/office/drawing/2014/main" id="{E2AE16B0-1063-EC63-46CB-4919F0023CBC}"/>
               </a:ext>
             </a:extLst>
           </p:cNvPr>
@@ -1792,7 +1792,7 @@
           <p:cNvPr id="7" name="日期占位符 6">
             <a:extLst>
               <a:ext uri="{FF2B5EF4-FFF2-40B4-BE49-F238E27FC236}">
-                <a16:creationId xmlns:a16="http://schemas.microsoft.com/office/drawing/2014/main" id="{9014B107-81A5-0B32-29A4-60427D3B4D4D}"/>
+                <a16:creationId xmlns:a16="http://schemas.microsoft.com/office/drawing/2014/main" id="{8E701C2D-955B-BD00-9141-9C974EAE34A3}"/>
               </a:ext>
             </a:extLst>
           </p:cNvPr>
@@ -1808,7 +1808,7 @@
           <a:bodyPr/>
           <a:lstStyle/>
           <a:p>
-            <a:fld id="{FE5C60EB-91DD-49BE-87B4-9665A321E1DA}" type="datetimeFigureOut">
+            <a:fld id="{73350D36-B04C-4B38-96D4-CA797DED94A0}" type="datetimeFigureOut">
               <a:rPr lang="zh-CN" altLang="en-US" smtClean="0"/>
               <a:t>2024/3/10</a:t>
             </a:fld>
@@ -1821,7 +1821,7 @@
           <p:cNvPr id="8" name="页脚占位符 7">
             <a:extLst>
               <a:ext uri="{FF2B5EF4-FFF2-40B4-BE49-F238E27FC236}">
-                <a16:creationId xmlns:a16="http://schemas.microsoft.com/office/drawing/2014/main" id="{397CB9FB-BC42-9168-33C1-6E779091215B}"/>
+                <a16:creationId xmlns:a16="http://schemas.microsoft.com/office/drawing/2014/main" id="{76707016-35DC-42F6-4E76-FD41798B9441}"/>
               </a:ext>
             </a:extLst>
           </p:cNvPr>
@@ -1846,7 +1846,7 @@
           <p:cNvPr id="9" name="灯片编号占位符 8">
             <a:extLst>
               <a:ext uri="{FF2B5EF4-FFF2-40B4-BE49-F238E27FC236}">
-                <a16:creationId xmlns:a16="http://schemas.microsoft.com/office/drawing/2014/main" id="{047BB894-6979-60DE-0FB2-7AF4C1477111}"/>
+                <a16:creationId xmlns:a16="http://schemas.microsoft.com/office/drawing/2014/main" id="{7096A4E8-7100-4998-A38F-A685C0772889}"/>
               </a:ext>
             </a:extLst>
           </p:cNvPr>
@@ -1862,7 +1862,7 @@
           <a:bodyPr/>
           <a:lstStyle/>
           <a:p>
-            <a:fld id="{D85905D6-C470-409F-BB58-667CC593DF76}" type="slidenum">
+            <a:fld id="{D81B2BDB-F8A3-4C49-951D-6C4A96BAF944}" type="slidenum">
               <a:rPr lang="zh-CN" altLang="en-US" smtClean="0"/>
               <a:t>‹#›</a:t>
             </a:fld>
@@ -1873,7 +1873,7 @@
     </p:spTree>
     <p:extLst>
       <p:ext uri="{BB962C8B-B14F-4D97-AF65-F5344CB8AC3E}">
-        <p14:creationId xmlns:p14="http://schemas.microsoft.com/office/powerpoint/2010/main" val="2107189578"/>
+        <p14:creationId xmlns:p14="http://schemas.microsoft.com/office/powerpoint/2010/main" val="1983770380"/>
       </p:ext>
     </p:extLst>
   </p:cSld>
@@ -1905,7 +1905,7 @@
           <p:cNvPr id="2" name="标题 1">
             <a:extLst>
               <a:ext uri="{FF2B5EF4-FFF2-40B4-BE49-F238E27FC236}">
-                <a16:creationId xmlns:a16="http://schemas.microsoft.com/office/drawing/2014/main" id="{F1645E70-42EE-7CF6-D569-B38A794A01C5}"/>
+                <a16:creationId xmlns:a16="http://schemas.microsoft.com/office/drawing/2014/main" id="{CF881DDF-1BEA-BB17-8DA6-8EB0B5F441F3}"/>
               </a:ext>
             </a:extLst>
           </p:cNvPr>
@@ -1933,7 +1933,7 @@
           <p:cNvPr id="3" name="日期占位符 2">
             <a:extLst>
               <a:ext uri="{FF2B5EF4-FFF2-40B4-BE49-F238E27FC236}">
-                <a16:creationId xmlns:a16="http://schemas.microsoft.com/office/drawing/2014/main" id="{5982A7A1-E2DD-4062-3C33-EE9CB2037F62}"/>
+                <a16:creationId xmlns:a16="http://schemas.microsoft.com/office/drawing/2014/main" id="{4BD826BC-0EF8-AA13-DD6D-D20757BDBBCC}"/>
               </a:ext>
             </a:extLst>
           </p:cNvPr>
@@ -1949,7 +1949,7 @@
           <a:bodyPr/>
           <a:lstStyle/>
           <a:p>
-            <a:fld id="{FE5C60EB-91DD-49BE-87B4-9665A321E1DA}" type="datetimeFigureOut">
+            <a:fld id="{73350D36-B04C-4B38-96D4-CA797DED94A0}" type="datetimeFigureOut">
               <a:rPr lang="zh-CN" altLang="en-US" smtClean="0"/>
               <a:t>2024/3/10</a:t>
             </a:fld>
@@ -1962,7 +1962,7 @@
           <p:cNvPr id="4" name="页脚占位符 3">
             <a:extLst>
               <a:ext uri="{FF2B5EF4-FFF2-40B4-BE49-F238E27FC236}">
-                <a16:creationId xmlns:a16="http://schemas.microsoft.com/office/drawing/2014/main" id="{84E97BCF-6C2C-8E40-002D-BEBED23B10D4}"/>
+                <a16:creationId xmlns:a16="http://schemas.microsoft.com/office/drawing/2014/main" id="{3910D322-53EA-52C9-60B2-E2467E7E17D3}"/>
               </a:ext>
             </a:extLst>
           </p:cNvPr>
@@ -1987,7 +1987,7 @@
           <p:cNvPr id="5" name="灯片编号占位符 4">
             <a:extLst>
               <a:ext uri="{FF2B5EF4-FFF2-40B4-BE49-F238E27FC236}">
-                <a16:creationId xmlns:a16="http://schemas.microsoft.com/office/drawing/2014/main" id="{E6EE1551-325B-D309-F72E-E8636FE4B129}"/>
+                <a16:creationId xmlns:a16="http://schemas.microsoft.com/office/drawing/2014/main" id="{48F373A2-B80E-C11A-48F9-448364C6C09F}"/>
               </a:ext>
             </a:extLst>
           </p:cNvPr>
@@ -2003,7 +2003,7 @@
           <a:bodyPr/>
           <a:lstStyle/>
           <a:p>
-            <a:fld id="{D85905D6-C470-409F-BB58-667CC593DF76}" type="slidenum">
+            <a:fld id="{D81B2BDB-F8A3-4C49-951D-6C4A96BAF944}" type="slidenum">
               <a:rPr lang="zh-CN" altLang="en-US" smtClean="0"/>
               <a:t>‹#›</a:t>
             </a:fld>
@@ -2014,7 +2014,7 @@
     </p:spTree>
     <p:extLst>
       <p:ext uri="{BB962C8B-B14F-4D97-AF65-F5344CB8AC3E}">
-        <p14:creationId xmlns:p14="http://schemas.microsoft.com/office/powerpoint/2010/main" val="3116101142"/>
+        <p14:creationId xmlns:p14="http://schemas.microsoft.com/office/powerpoint/2010/main" val="2216240453"/>
       </p:ext>
     </p:extLst>
   </p:cSld>
@@ -2046,7 +2046,7 @@
           <p:cNvPr id="2" name="日期占位符 1">
             <a:extLst>
               <a:ext uri="{FF2B5EF4-FFF2-40B4-BE49-F238E27FC236}">
-                <a16:creationId xmlns:a16="http://schemas.microsoft.com/office/drawing/2014/main" id="{50FB6860-FA22-C17F-427E-37707195FCA3}"/>
+                <a16:creationId xmlns:a16="http://schemas.microsoft.com/office/drawing/2014/main" id="{118E123C-6D18-015F-CB18-F4F69FF44122}"/>
               </a:ext>
             </a:extLst>
           </p:cNvPr>
@@ -2062,7 +2062,7 @@
           <a:bodyPr/>
           <a:lstStyle/>
           <a:p>
-            <a:fld id="{FE5C60EB-91DD-49BE-87B4-9665A321E1DA}" type="datetimeFigureOut">
+            <a:fld id="{73350D36-B04C-4B38-96D4-CA797DED94A0}" type="datetimeFigureOut">
               <a:rPr lang="zh-CN" altLang="en-US" smtClean="0"/>
               <a:t>2024/3/10</a:t>
             </a:fld>
@@ -2075,7 +2075,7 @@
           <p:cNvPr id="3" name="页脚占位符 2">
             <a:extLst>
               <a:ext uri="{FF2B5EF4-FFF2-40B4-BE49-F238E27FC236}">
-                <a16:creationId xmlns:a16="http://schemas.microsoft.com/office/drawing/2014/main" id="{60DCE0A7-DA06-650B-9853-F98DF67AEF26}"/>
+                <a16:creationId xmlns:a16="http://schemas.microsoft.com/office/drawing/2014/main" id="{6E29694D-15C0-0221-5738-FC1D503C0A77}"/>
               </a:ext>
             </a:extLst>
           </p:cNvPr>
@@ -2100,7 +2100,7 @@
           <p:cNvPr id="4" name="灯片编号占位符 3">
             <a:extLst>
               <a:ext uri="{FF2B5EF4-FFF2-40B4-BE49-F238E27FC236}">
-                <a16:creationId xmlns:a16="http://schemas.microsoft.com/office/drawing/2014/main" id="{541BE0EB-7BAB-4F2E-9E33-2A54B2435769}"/>
+                <a16:creationId xmlns:a16="http://schemas.microsoft.com/office/drawing/2014/main" id="{39A4B2A9-60EB-3542-38D6-4DF4ACD64917}"/>
               </a:ext>
             </a:extLst>
           </p:cNvPr>
@@ -2116,7 +2116,7 @@
           <a:bodyPr/>
           <a:lstStyle/>
           <a:p>
-            <a:fld id="{D85905D6-C470-409F-BB58-667CC593DF76}" type="slidenum">
+            <a:fld id="{D81B2BDB-F8A3-4C49-951D-6C4A96BAF944}" type="slidenum">
               <a:rPr lang="zh-CN" altLang="en-US" smtClean="0"/>
               <a:t>‹#›</a:t>
             </a:fld>
@@ -2127,7 +2127,7 @@
     </p:spTree>
     <p:extLst>
       <p:ext uri="{BB962C8B-B14F-4D97-AF65-F5344CB8AC3E}">
-        <p14:creationId xmlns:p14="http://schemas.microsoft.com/office/powerpoint/2010/main" val="3866624661"/>
+        <p14:creationId xmlns:p14="http://schemas.microsoft.com/office/powerpoint/2010/main" val="3031054838"/>
       </p:ext>
     </p:extLst>
   </p:cSld>
@@ -2159,7 +2159,7 @@
           <p:cNvPr id="2" name="标题 1">
             <a:extLst>
               <a:ext uri="{FF2B5EF4-FFF2-40B4-BE49-F238E27FC236}">
-                <a16:creationId xmlns:a16="http://schemas.microsoft.com/office/drawing/2014/main" id="{A416D976-31EE-2036-585D-60D1CF63B497}"/>
+                <a16:creationId xmlns:a16="http://schemas.microsoft.com/office/drawing/2014/main" id="{C32D6656-5D82-8668-2926-8194AB6C93F8}"/>
               </a:ext>
             </a:extLst>
           </p:cNvPr>
@@ -2196,7 +2196,7 @@
           <p:cNvPr id="3" name="内容占位符 2">
             <a:extLst>
               <a:ext uri="{FF2B5EF4-FFF2-40B4-BE49-F238E27FC236}">
-                <a16:creationId xmlns:a16="http://schemas.microsoft.com/office/drawing/2014/main" id="{6138951E-2DC5-64BC-C0AE-9FF4DDF1520D}"/>
+                <a16:creationId xmlns:a16="http://schemas.microsoft.com/office/drawing/2014/main" id="{78844125-D81C-E4D4-78A3-A84E289B9CE7}"/>
               </a:ext>
             </a:extLst>
           </p:cNvPr>
@@ -2286,7 +2286,7 @@
           <p:cNvPr id="4" name="文本占位符 3">
             <a:extLst>
               <a:ext uri="{FF2B5EF4-FFF2-40B4-BE49-F238E27FC236}">
-                <a16:creationId xmlns:a16="http://schemas.microsoft.com/office/drawing/2014/main" id="{7DBFF71B-FFD8-2536-B4DD-9D05E8D5725B}"/>
+                <a16:creationId xmlns:a16="http://schemas.microsoft.com/office/drawing/2014/main" id="{908DE01D-96CB-CFA4-77AF-2B97405BA434}"/>
               </a:ext>
             </a:extLst>
           </p:cNvPr>
@@ -2357,7 +2357,7 @@
           <p:cNvPr id="5" name="日期占位符 4">
             <a:extLst>
               <a:ext uri="{FF2B5EF4-FFF2-40B4-BE49-F238E27FC236}">
-                <a16:creationId xmlns:a16="http://schemas.microsoft.com/office/drawing/2014/main" id="{140CD5A0-FAE7-605F-F12C-5B7E7B1765FD}"/>
+                <a16:creationId xmlns:a16="http://schemas.microsoft.com/office/drawing/2014/main" id="{35D27FDC-91FC-61E1-892F-9718DABC37FC}"/>
               </a:ext>
             </a:extLst>
           </p:cNvPr>
@@ -2373,7 +2373,7 @@
           <a:bodyPr/>
           <a:lstStyle/>
           <a:p>
-            <a:fld id="{FE5C60EB-91DD-49BE-87B4-9665A321E1DA}" type="datetimeFigureOut">
+            <a:fld id="{73350D36-B04C-4B38-96D4-CA797DED94A0}" type="datetimeFigureOut">
               <a:rPr lang="zh-CN" altLang="en-US" smtClean="0"/>
               <a:t>2024/3/10</a:t>
             </a:fld>
@@ -2386,7 +2386,7 @@
           <p:cNvPr id="6" name="页脚占位符 5">
             <a:extLst>
               <a:ext uri="{FF2B5EF4-FFF2-40B4-BE49-F238E27FC236}">
-                <a16:creationId xmlns:a16="http://schemas.microsoft.com/office/drawing/2014/main" id="{5697D74A-0B66-2B59-CB88-37B3AE278E25}"/>
+                <a16:creationId xmlns:a16="http://schemas.microsoft.com/office/drawing/2014/main" id="{5CEA360D-09AB-3076-344E-57FB60F9FAD7}"/>
               </a:ext>
             </a:extLst>
           </p:cNvPr>
@@ -2411,7 +2411,7 @@
           <p:cNvPr id="7" name="灯片编号占位符 6">
             <a:extLst>
               <a:ext uri="{FF2B5EF4-FFF2-40B4-BE49-F238E27FC236}">
-                <a16:creationId xmlns:a16="http://schemas.microsoft.com/office/drawing/2014/main" id="{B621DA61-5210-E6AF-3451-B4DF429F3331}"/>
+                <a16:creationId xmlns:a16="http://schemas.microsoft.com/office/drawing/2014/main" id="{1CDBC3A1-E8AF-77E2-4D38-46EB52198A44}"/>
               </a:ext>
             </a:extLst>
           </p:cNvPr>
@@ -2427,7 +2427,7 @@
           <a:bodyPr/>
           <a:lstStyle/>
           <a:p>
-            <a:fld id="{D85905D6-C470-409F-BB58-667CC593DF76}" type="slidenum">
+            <a:fld id="{D81B2BDB-F8A3-4C49-951D-6C4A96BAF944}" type="slidenum">
               <a:rPr lang="zh-CN" altLang="en-US" smtClean="0"/>
               <a:t>‹#›</a:t>
             </a:fld>
@@ -2438,7 +2438,7 @@
     </p:spTree>
     <p:extLst>
       <p:ext uri="{BB962C8B-B14F-4D97-AF65-F5344CB8AC3E}">
-        <p14:creationId xmlns:p14="http://schemas.microsoft.com/office/powerpoint/2010/main" val="2637717081"/>
+        <p14:creationId xmlns:p14="http://schemas.microsoft.com/office/powerpoint/2010/main" val="60262830"/>
       </p:ext>
     </p:extLst>
   </p:cSld>
@@ -2470,7 +2470,7 @@
           <p:cNvPr id="2" name="标题 1">
             <a:extLst>
               <a:ext uri="{FF2B5EF4-FFF2-40B4-BE49-F238E27FC236}">
-                <a16:creationId xmlns:a16="http://schemas.microsoft.com/office/drawing/2014/main" id="{D612E50B-4E55-69C2-A6D0-341F886F56DE}"/>
+                <a16:creationId xmlns:a16="http://schemas.microsoft.com/office/drawing/2014/main" id="{E6BA2A11-CFE2-889E-B563-D71524FE223C}"/>
               </a:ext>
             </a:extLst>
           </p:cNvPr>
@@ -2507,7 +2507,7 @@
           <p:cNvPr id="3" name="图片占位符 2">
             <a:extLst>
               <a:ext uri="{FF2B5EF4-FFF2-40B4-BE49-F238E27FC236}">
-                <a16:creationId xmlns:a16="http://schemas.microsoft.com/office/drawing/2014/main" id="{440D8A85-C29E-CD99-A26B-F0E54AEFDA40}"/>
+                <a16:creationId xmlns:a16="http://schemas.microsoft.com/office/drawing/2014/main" id="{183F09C0-E219-7A4E-003E-FE78E4008EB8}"/>
               </a:ext>
             </a:extLst>
           </p:cNvPr>
@@ -2574,7 +2574,7 @@
           <p:cNvPr id="4" name="文本占位符 3">
             <a:extLst>
               <a:ext uri="{FF2B5EF4-FFF2-40B4-BE49-F238E27FC236}">
-                <a16:creationId xmlns:a16="http://schemas.microsoft.com/office/drawing/2014/main" id="{9D9F8BCE-D656-CE44-5070-2DF73357FDE7}"/>
+                <a16:creationId xmlns:a16="http://schemas.microsoft.com/office/drawing/2014/main" id="{3A359853-D00A-2DC0-C6AE-120699E0E74B}"/>
               </a:ext>
             </a:extLst>
           </p:cNvPr>
@@ -2645,7 +2645,7 @@
           <p:cNvPr id="5" name="日期占位符 4">
             <a:extLst>
               <a:ext uri="{FF2B5EF4-FFF2-40B4-BE49-F238E27FC236}">
-                <a16:creationId xmlns:a16="http://schemas.microsoft.com/office/drawing/2014/main" id="{563D5D3E-06E2-3292-FFCD-0AB0243731BF}"/>
+                <a16:creationId xmlns:a16="http://schemas.microsoft.com/office/drawing/2014/main" id="{A1F7D298-4F04-81F7-8EF7-4C6A65BA70B2}"/>
               </a:ext>
             </a:extLst>
           </p:cNvPr>
@@ -2661,7 +2661,7 @@
           <a:bodyPr/>
           <a:lstStyle/>
           <a:p>
-            <a:fld id="{FE5C60EB-91DD-49BE-87B4-9665A321E1DA}" type="datetimeFigureOut">
+            <a:fld id="{73350D36-B04C-4B38-96D4-CA797DED94A0}" type="datetimeFigureOut">
               <a:rPr lang="zh-CN" altLang="en-US" smtClean="0"/>
               <a:t>2024/3/10</a:t>
             </a:fld>
@@ -2674,7 +2674,7 @@
           <p:cNvPr id="6" name="页脚占位符 5">
             <a:extLst>
               <a:ext uri="{FF2B5EF4-FFF2-40B4-BE49-F238E27FC236}">
-                <a16:creationId xmlns:a16="http://schemas.microsoft.com/office/drawing/2014/main" id="{4F9FE297-045E-7ADE-71A5-8ACBCD7C5738}"/>
+                <a16:creationId xmlns:a16="http://schemas.microsoft.com/office/drawing/2014/main" id="{B437D84B-1BE3-ACDB-F811-E6CFDB7ED4B2}"/>
               </a:ext>
             </a:extLst>
           </p:cNvPr>
@@ -2699,7 +2699,7 @@
           <p:cNvPr id="7" name="灯片编号占位符 6">
             <a:extLst>
               <a:ext uri="{FF2B5EF4-FFF2-40B4-BE49-F238E27FC236}">
-                <a16:creationId xmlns:a16="http://schemas.microsoft.com/office/drawing/2014/main" id="{5838E4E7-59D9-25E4-551C-AB18346E8726}"/>
+                <a16:creationId xmlns:a16="http://schemas.microsoft.com/office/drawing/2014/main" id="{A73A6E79-9A3C-A45A-50B7-3B5C67B5ACC7}"/>
               </a:ext>
             </a:extLst>
           </p:cNvPr>
@@ -2715,7 +2715,7 @@
           <a:bodyPr/>
           <a:lstStyle/>
           <a:p>
-            <a:fld id="{D85905D6-C470-409F-BB58-667CC593DF76}" type="slidenum">
+            <a:fld id="{D81B2BDB-F8A3-4C49-951D-6C4A96BAF944}" type="slidenum">
               <a:rPr lang="zh-CN" altLang="en-US" smtClean="0"/>
               <a:t>‹#›</a:t>
             </a:fld>
@@ -2726,7 +2726,7 @@
     </p:spTree>
     <p:extLst>
       <p:ext uri="{BB962C8B-B14F-4D97-AF65-F5344CB8AC3E}">
-        <p14:creationId xmlns:p14="http://schemas.microsoft.com/office/powerpoint/2010/main" val="4162898232"/>
+        <p14:creationId xmlns:p14="http://schemas.microsoft.com/office/powerpoint/2010/main" val="1329122005"/>
       </p:ext>
     </p:extLst>
   </p:cSld>
@@ -2763,7 +2763,7 @@
           <p:cNvPr id="2" name="标题占位符 1">
             <a:extLst>
               <a:ext uri="{FF2B5EF4-FFF2-40B4-BE49-F238E27FC236}">
-                <a16:creationId xmlns:a16="http://schemas.microsoft.com/office/drawing/2014/main" id="{E5E9D634-E96B-13B8-A8A0-50A53FB611AA}"/>
+                <a16:creationId xmlns:a16="http://schemas.microsoft.com/office/drawing/2014/main" id="{554F962D-6F2B-E5CD-616A-37C662CF7829}"/>
               </a:ext>
             </a:extLst>
           </p:cNvPr>
@@ -2801,7 +2801,7 @@
           <p:cNvPr id="3" name="文本占位符 2">
             <a:extLst>
               <a:ext uri="{FF2B5EF4-FFF2-40B4-BE49-F238E27FC236}">
-                <a16:creationId xmlns:a16="http://schemas.microsoft.com/office/drawing/2014/main" id="{0E0D2832-C83A-4C4A-E6FC-B35A257B29C3}"/>
+                <a16:creationId xmlns:a16="http://schemas.microsoft.com/office/drawing/2014/main" id="{46E4FFCB-0ACB-991D-2C1E-472B8B3787B2}"/>
               </a:ext>
             </a:extLst>
           </p:cNvPr>
@@ -2868,7 +2868,7 @@
           <p:cNvPr id="4" name="日期占位符 3">
             <a:extLst>
               <a:ext uri="{FF2B5EF4-FFF2-40B4-BE49-F238E27FC236}">
-                <a16:creationId xmlns:a16="http://schemas.microsoft.com/office/drawing/2014/main" id="{736AC759-69C7-52CE-00B0-48D6A64FD9EE}"/>
+                <a16:creationId xmlns:a16="http://schemas.microsoft.com/office/drawing/2014/main" id="{8CCA8BA5-4E87-EA50-4F55-52FE73DD7FD4}"/>
               </a:ext>
             </a:extLst>
           </p:cNvPr>
@@ -2902,7 +2902,7 @@
             </a:lvl1pPr>
           </a:lstStyle>
           <a:p>
-            <a:fld id="{FE5C60EB-91DD-49BE-87B4-9665A321E1DA}" type="datetimeFigureOut">
+            <a:fld id="{73350D36-B04C-4B38-96D4-CA797DED94A0}" type="datetimeFigureOut">
               <a:rPr lang="zh-CN" altLang="en-US" smtClean="0"/>
               <a:t>2024/3/10</a:t>
             </a:fld>
@@ -2915,7 +2915,7 @@
           <p:cNvPr id="5" name="页脚占位符 4">
             <a:extLst>
               <a:ext uri="{FF2B5EF4-FFF2-40B4-BE49-F238E27FC236}">
-                <a16:creationId xmlns:a16="http://schemas.microsoft.com/office/drawing/2014/main" id="{8982294F-1945-59CC-84DB-A9D1AAF77F3C}"/>
+                <a16:creationId xmlns:a16="http://schemas.microsoft.com/office/drawing/2014/main" id="{18641D6C-5F23-E4F1-0A5C-AE3968A50C85}"/>
               </a:ext>
             </a:extLst>
           </p:cNvPr>
@@ -2958,7 +2958,7 @@
           <p:cNvPr id="6" name="灯片编号占位符 5">
             <a:extLst>
               <a:ext uri="{FF2B5EF4-FFF2-40B4-BE49-F238E27FC236}">
-                <a16:creationId xmlns:a16="http://schemas.microsoft.com/office/drawing/2014/main" id="{E1C9CF19-D570-3BF9-1184-4EC79918FFBD}"/>
+                <a16:creationId xmlns:a16="http://schemas.microsoft.com/office/drawing/2014/main" id="{4CFF9E41-FF07-691C-F858-9096FB82B320}"/>
               </a:ext>
             </a:extLst>
           </p:cNvPr>
@@ -2992,7 +2992,7 @@
             </a:lvl1pPr>
           </a:lstStyle>
           <a:p>
-            <a:fld id="{D85905D6-C470-409F-BB58-667CC593DF76}" type="slidenum">
+            <a:fld id="{D81B2BDB-F8A3-4C49-951D-6C4A96BAF944}" type="slidenum">
               <a:rPr lang="zh-CN" altLang="en-US" smtClean="0"/>
               <a:t>‹#›</a:t>
             </a:fld>
@@ -3003,7 +3003,7 @@
     </p:spTree>
     <p:extLst>
       <p:ext uri="{BB962C8B-B14F-4D97-AF65-F5344CB8AC3E}">
-        <p14:creationId xmlns:p14="http://schemas.microsoft.com/office/powerpoint/2010/main" val="25111121"/>
+        <p14:creationId xmlns:p14="http://schemas.microsoft.com/office/powerpoint/2010/main" val="303885222"/>
       </p:ext>
     </p:extLst>
   </p:cSld>
